--- a/modules/m1_intro/m1_big_data.pptx
+++ b/modules/m1_intro/m1_big_data.pptx
@@ -124,6 +124,11 @@
       </a:defRPr>
     </a:lvl9pPr>
   </p:defaultTextStyle>
+  <p:extLst>
+    <p:ext uri="{EFAFB233-063F-42B5-8137-9DF3F51BA10A}">
+      <p15:sldGuideLst xmlns:p15="http://schemas.microsoft.com/office/powerpoint/2012/main"/>
+    </p:ext>
+  </p:extLst>
 </p:presentation>
 </file>
 
@@ -258,7 +263,7 @@
           <a:p>
             <a:fld id="{46E266B4-FBD8-497F-823B-FED4F2C9C65F}" type="datetimeFigureOut">
               <a:rPr lang="en-US" smtClean="0"/>
-              <a:t>1/20/2021</a:t>
+              <a:t>1/21/2021</a:t>
             </a:fld>
             <a:endParaRPr lang="en-US"/>
           </a:p>
@@ -428,7 +433,7 @@
           <a:p>
             <a:fld id="{46E266B4-FBD8-497F-823B-FED4F2C9C65F}" type="datetimeFigureOut">
               <a:rPr lang="en-US" smtClean="0"/>
-              <a:t>1/20/2021</a:t>
+              <a:t>1/21/2021</a:t>
             </a:fld>
             <a:endParaRPr lang="en-US"/>
           </a:p>
@@ -608,7 +613,7 @@
           <a:p>
             <a:fld id="{46E266B4-FBD8-497F-823B-FED4F2C9C65F}" type="datetimeFigureOut">
               <a:rPr lang="en-US" smtClean="0"/>
-              <a:t>1/20/2021</a:t>
+              <a:t>1/21/2021</a:t>
             </a:fld>
             <a:endParaRPr lang="en-US"/>
           </a:p>
@@ -778,7 +783,7 @@
           <a:p>
             <a:fld id="{46E266B4-FBD8-497F-823B-FED4F2C9C65F}" type="datetimeFigureOut">
               <a:rPr lang="en-US" smtClean="0"/>
-              <a:t>1/20/2021</a:t>
+              <a:t>1/21/2021</a:t>
             </a:fld>
             <a:endParaRPr lang="en-US"/>
           </a:p>
@@ -1024,7 +1029,7 @@
           <a:p>
             <a:fld id="{46E266B4-FBD8-497F-823B-FED4F2C9C65F}" type="datetimeFigureOut">
               <a:rPr lang="en-US" smtClean="0"/>
-              <a:t>1/20/2021</a:t>
+              <a:t>1/21/2021</a:t>
             </a:fld>
             <a:endParaRPr lang="en-US"/>
           </a:p>
@@ -1256,7 +1261,7 @@
           <a:p>
             <a:fld id="{46E266B4-FBD8-497F-823B-FED4F2C9C65F}" type="datetimeFigureOut">
               <a:rPr lang="en-US" smtClean="0"/>
-              <a:t>1/20/2021</a:t>
+              <a:t>1/21/2021</a:t>
             </a:fld>
             <a:endParaRPr lang="en-US"/>
           </a:p>
@@ -1623,7 +1628,7 @@
           <a:p>
             <a:fld id="{46E266B4-FBD8-497F-823B-FED4F2C9C65F}" type="datetimeFigureOut">
               <a:rPr lang="en-US" smtClean="0"/>
-              <a:t>1/20/2021</a:t>
+              <a:t>1/21/2021</a:t>
             </a:fld>
             <a:endParaRPr lang="en-US"/>
           </a:p>
@@ -1741,7 +1746,7 @@
           <a:p>
             <a:fld id="{46E266B4-FBD8-497F-823B-FED4F2C9C65F}" type="datetimeFigureOut">
               <a:rPr lang="en-US" smtClean="0"/>
-              <a:t>1/20/2021</a:t>
+              <a:t>1/21/2021</a:t>
             </a:fld>
             <a:endParaRPr lang="en-US"/>
           </a:p>
@@ -1836,7 +1841,7 @@
           <a:p>
             <a:fld id="{46E266B4-FBD8-497F-823B-FED4F2C9C65F}" type="datetimeFigureOut">
               <a:rPr lang="en-US" smtClean="0"/>
-              <a:t>1/20/2021</a:t>
+              <a:t>1/21/2021</a:t>
             </a:fld>
             <a:endParaRPr lang="en-US"/>
           </a:p>
@@ -2113,7 +2118,7 @@
           <a:p>
             <a:fld id="{46E266B4-FBD8-497F-823B-FED4F2C9C65F}" type="datetimeFigureOut">
               <a:rPr lang="en-US" smtClean="0"/>
-              <a:t>1/20/2021</a:t>
+              <a:t>1/21/2021</a:t>
             </a:fld>
             <a:endParaRPr lang="en-US"/>
           </a:p>
@@ -2370,7 +2375,7 @@
           <a:p>
             <a:fld id="{46E266B4-FBD8-497F-823B-FED4F2C9C65F}" type="datetimeFigureOut">
               <a:rPr lang="en-US" smtClean="0"/>
-              <a:t>1/20/2021</a:t>
+              <a:t>1/21/2021</a:t>
             </a:fld>
             <a:endParaRPr lang="en-US"/>
           </a:p>
@@ -2583,7 +2588,7 @@
           <a:p>
             <a:fld id="{46E266B4-FBD8-497F-823B-FED4F2C9C65F}" type="datetimeFigureOut">
               <a:rPr lang="en-US" smtClean="0"/>
-              <a:t>1/20/2021</a:t>
+              <a:t>1/21/2021</a:t>
             </a:fld>
             <a:endParaRPr lang="en-US"/>
           </a:p>
